--- a/Solutions & Presentation/AD_Hoc Request Presentation.pptx
+++ b/Solutions & Presentation/AD_Hoc Request Presentation.pptx
@@ -2236,9 +2236,7 @@
               <c:showPercent val="1"/>
               <c:showBubbleSize val="0"/>
               <c:extLst>
-                <c:ext xmlns:c15="http://schemas.microsoft.com/office/drawing/2012/chart" uri="{CE6537A1-D6FC-4f65-9D91-7224C49458BB}">
-                  <c15:layout/>
-                </c:ext>
+                <c:ext xmlns:c15="http://schemas.microsoft.com/office/drawing/2012/chart" uri="{CE6537A1-D6FC-4f65-9D91-7224C49458BB}"/>
                 <c:ext xmlns:c16="http://schemas.microsoft.com/office/drawing/2014/chart" uri="{C3380CC4-5D6E-409C-BE32-E72D297353CC}">
                   <c16:uniqueId val="{00000001-221E-4A6D-AE9A-C32EE2F34A7E}"/>
                 </c:ext>
@@ -2260,9 +2258,7 @@
               <c:showPercent val="1"/>
               <c:showBubbleSize val="0"/>
               <c:extLst>
-                <c:ext xmlns:c15="http://schemas.microsoft.com/office/drawing/2012/chart" uri="{CE6537A1-D6FC-4f65-9D91-7224C49458BB}">
-                  <c15:layout/>
-                </c:ext>
+                <c:ext xmlns:c15="http://schemas.microsoft.com/office/drawing/2012/chart" uri="{CE6537A1-D6FC-4f65-9D91-7224C49458BB}"/>
                 <c:ext xmlns:c16="http://schemas.microsoft.com/office/drawing/2014/chart" uri="{C3380CC4-5D6E-409C-BE32-E72D297353CC}">
                   <c16:uniqueId val="{00000003-221E-4A6D-AE9A-C32EE2F34A7E}"/>
                 </c:ext>
@@ -2735,7 +2731,6 @@
     </c:plotArea>
     <c:legend>
       <c:legendPos val="b"/>
-      <c:layout/>
       <c:overlay val="0"/>
       <c:spPr>
         <a:noFill/>
@@ -3325,7 +3320,6 @@
             <c:showLeaderLines val="0"/>
             <c:extLst>
               <c:ext xmlns:c15="http://schemas.microsoft.com/office/drawing/2012/chart" uri="{CE6537A1-D6FC-4f65-9D91-7224C49458BB}">
-                <c15:layout/>
                 <c15:showLeaderLines val="1"/>
                 <c15:leaderLines>
                   <c:spPr>
@@ -3634,7 +3628,6 @@
               </a:p>
             </c:rich>
           </c:tx>
-          <c:layout/>
           <c:overlay val="0"/>
           <c:spPr>
             <a:noFill/>
@@ -12582,6 +12575,13 @@
   <p:clrMapOvr>
     <a:masterClrMapping/>
   </p:clrMapOvr>
+  <p:timing>
+    <p:tnLst>
+      <p:par>
+        <p:cTn id="1" dur="indefinite" restart="never" nodeType="tmRoot"/>
+      </p:par>
+    </p:tnLst>
+  </p:timing>
 </p:sld>
 </file>
 
@@ -12847,6 +12847,13 @@
   <p:clrMapOvr>
     <a:masterClrMapping/>
   </p:clrMapOvr>
+  <p:timing>
+    <p:tnLst>
+      <p:par>
+        <p:cTn id="1" dur="indefinite" restart="never" nodeType="tmRoot"/>
+      </p:par>
+    </p:tnLst>
+  </p:timing>
 </p:sld>
 </file>
 
@@ -13156,6 +13163,13 @@
   <p:clrMapOvr>
     <a:masterClrMapping/>
   </p:clrMapOvr>
+  <p:timing>
+    <p:tnLst>
+      <p:par>
+        <p:cTn id="1" dur="indefinite" restart="never" nodeType="tmRoot"/>
+      </p:par>
+    </p:tnLst>
+  </p:timing>
 </p:sld>
 </file>
 
@@ -13417,6 +13431,13 @@
   <p:clrMapOvr>
     <a:masterClrMapping/>
   </p:clrMapOvr>
+  <p:timing>
+    <p:tnLst>
+      <p:par>
+        <p:cTn id="1" dur="indefinite" restart="never" nodeType="tmRoot"/>
+      </p:par>
+    </p:tnLst>
+  </p:timing>
 </p:sld>
 </file>
 
@@ -13509,6 +13530,13 @@
   <p:clrMapOvr>
     <a:masterClrMapping/>
   </p:clrMapOvr>
+  <p:timing>
+    <p:tnLst>
+      <p:par>
+        <p:cTn id="1" dur="indefinite" restart="never" nodeType="tmRoot"/>
+      </p:par>
+    </p:tnLst>
+  </p:timing>
 </p:sld>
 </file>
 
@@ -13573,7 +13601,7 @@
         <p:spPr>
           <a:xfrm>
             <a:off x="8643068" y="5438692"/>
-            <a:ext cx="2255169" cy="646331"/>
+            <a:ext cx="2669898" cy="1015663"/>
           </a:xfrm>
           <a:prstGeom prst="rect">
             <a:avLst/>
@@ -13606,7 +13634,28 @@
               </a:rPr>
               <a:t>    Amit Vikram Raj</a:t>
             </a:r>
-            <a:endParaRPr lang="en-IN" dirty="0">
+          </a:p>
+          <a:p>
+            <a:endParaRPr lang="en-IN" sz="1200" dirty="0">
+              <a:latin typeface="Arial Rounded MT Bold" panose="020F0704030504030204" pitchFamily="34" charset="0"/>
+              <a:hlinkClick r:id="rId2"/>
+            </a:endParaRPr>
+          </a:p>
+          <a:p>
+            <a:r>
+              <a:rPr lang="en-IN" sz="1200" dirty="0" smtClean="0">
+                <a:latin typeface="Arial Rounded MT Bold" panose="020F0704030504030204" pitchFamily="34" charset="0"/>
+              </a:rPr>
+              <a:t>		</a:t>
+            </a:r>
+            <a:r>
+              <a:rPr lang="en-IN" sz="1200" dirty="0" smtClean="0">
+                <a:latin typeface="Arial Rounded MT Bold" panose="020F0704030504030204" pitchFamily="34" charset="0"/>
+                <a:hlinkClick r:id="rId2"/>
+              </a:rPr>
+              <a:t>LinkedIn</a:t>
+            </a:r>
+            <a:endParaRPr lang="en-IN" sz="1200" dirty="0">
               <a:latin typeface="Arial Rounded MT Bold" panose="020F0704030504030204" pitchFamily="34" charset="0"/>
             </a:endParaRPr>
           </a:p>
@@ -13622,6 +13671,13 @@
   <p:clrMapOvr>
     <a:masterClrMapping/>
   </p:clrMapOvr>
+  <p:timing>
+    <p:tnLst>
+      <p:par>
+        <p:cTn id="1" dur="indefinite" restart="never" nodeType="tmRoot"/>
+      </p:par>
+    </p:tnLst>
+  </p:timing>
 </p:sld>
 </file>
 
@@ -13825,6 +13881,13 @@
   <p:clrMapOvr>
     <a:masterClrMapping/>
   </p:clrMapOvr>
+  <p:timing>
+    <p:tnLst>
+      <p:par>
+        <p:cTn id="1" dur="indefinite" restart="never" nodeType="tmRoot"/>
+      </p:par>
+    </p:tnLst>
+  </p:timing>
 </p:sld>
 </file>
 
@@ -14048,6 +14111,13 @@
   <p:clrMapOvr>
     <a:masterClrMapping/>
   </p:clrMapOvr>
+  <p:timing>
+    <p:tnLst>
+      <p:par>
+        <p:cTn id="1" dur="indefinite" restart="never" nodeType="tmRoot"/>
+      </p:par>
+    </p:tnLst>
+  </p:timing>
 </p:sld>
 </file>
 
@@ -14279,6 +14349,13 @@
   <p:clrMapOvr>
     <a:masterClrMapping/>
   </p:clrMapOvr>
+  <p:timing>
+    <p:tnLst>
+      <p:par>
+        <p:cTn id="1" dur="indefinite" restart="never" nodeType="tmRoot"/>
+      </p:par>
+    </p:tnLst>
+  </p:timing>
 </p:sld>
 </file>
 
@@ -14535,6 +14612,13 @@
   <p:clrMapOvr>
     <a:masterClrMapping/>
   </p:clrMapOvr>
+  <p:timing>
+    <p:tnLst>
+      <p:par>
+        <p:cTn id="1" dur="indefinite" restart="never" nodeType="tmRoot"/>
+      </p:par>
+    </p:tnLst>
+  </p:timing>
 </p:sld>
 </file>
 
@@ -14750,6 +14834,13 @@
   <p:clrMapOvr>
     <a:masterClrMapping/>
   </p:clrMapOvr>
+  <p:timing>
+    <p:tnLst>
+      <p:par>
+        <p:cTn id="1" dur="indefinite" restart="never" nodeType="tmRoot"/>
+      </p:par>
+    </p:tnLst>
+  </p:timing>
 </p:sld>
 </file>
 
@@ -14987,6 +15078,13 @@
   <p:clrMapOvr>
     <a:masterClrMapping/>
   </p:clrMapOvr>
+  <p:timing>
+    <p:tnLst>
+      <p:par>
+        <p:cTn id="1" dur="indefinite" restart="never" nodeType="tmRoot"/>
+      </p:par>
+    </p:tnLst>
+  </p:timing>
 </p:sld>
 </file>
 
@@ -15271,6 +15369,13 @@
   <p:clrMapOvr>
     <a:masterClrMapping/>
   </p:clrMapOvr>
+  <p:timing>
+    <p:tnLst>
+      <p:par>
+        <p:cTn id="1" dur="indefinite" restart="never" nodeType="tmRoot"/>
+      </p:par>
+    </p:tnLst>
+  </p:timing>
 </p:sld>
 </file>
 
@@ -19938,6 +20043,13 @@
   <p:clrMapOvr>
     <a:masterClrMapping/>
   </p:clrMapOvr>
+  <p:timing>
+    <p:tnLst>
+      <p:par>
+        <p:cTn id="1" dur="indefinite" restart="never" nodeType="tmRoot"/>
+      </p:par>
+    </p:tnLst>
+  </p:timing>
 </p:sld>
 </file>
 
